--- a/Statistical Modelling with Python.pptx
+++ b/Statistical Modelling with Python.pptx
@@ -7,6 +7,12 @@
   <p:sldIdLst>
     <p:sldId id="256" r:id="rId2"/>
     <p:sldId id="257" r:id="rId3"/>
+    <p:sldId id="259" r:id="rId4"/>
+    <p:sldId id="258" r:id="rId5"/>
+    <p:sldId id="260" r:id="rId6"/>
+    <p:sldId id="262" r:id="rId7"/>
+    <p:sldId id="263" r:id="rId8"/>
+    <p:sldId id="264" r:id="rId9"/>
   </p:sldIdLst>
   <p:sldSz cx="12192000" cy="6858000"/>
   <p:notesSz cx="6858000" cy="9144000"/>
@@ -105,6 +111,11 @@
       </a:defRPr>
     </a:lvl9pPr>
   </p:defaultTextStyle>
+  <p:extLst>
+    <p:ext uri="{EFAFB233-063F-42B5-8137-9DF3F51BA10A}">
+      <p15:sldGuideLst xmlns:p15="http://schemas.microsoft.com/office/powerpoint/2012/main"/>
+    </p:ext>
+  </p:extLst>
 </p:presentation>
 </file>
 
@@ -1104,7 +1115,7 @@
           </a:pPr>
           <a:r>
             <a:rPr lang="en-CA" dirty="0"/>
-            <a:t>2. Queried Yelp and Foursquare APIs for POIs</a:t>
+            <a:t>2. Queried Yelp and Foursquare APIs for POIs </a:t>
           </a:r>
           <a:endParaRPr lang="en-US" dirty="0"/>
         </a:p>
@@ -1151,7 +1162,7 @@
           </a:pPr>
           <a:r>
             <a:rPr lang="en-CA" dirty="0"/>
-            <a:t>3. Data Joining and visualization</a:t>
+            <a:t>3. Completed Data Joining and visualization</a:t>
           </a:r>
           <a:endParaRPr lang="en-US" dirty="0"/>
         </a:p>
@@ -1198,7 +1209,7 @@
           </a:pPr>
           <a:r>
             <a:rPr lang="en-CA" dirty="0"/>
-            <a:t>4. Model Building</a:t>
+            <a:t>4. Model Building – built a regression model</a:t>
           </a:r>
           <a:endParaRPr lang="en-US" dirty="0"/>
         </a:p>
@@ -1792,7 +1803,7 @@
           </a:pPr>
           <a:r>
             <a:rPr lang="en-CA" sz="2200" kern="1200" dirty="0"/>
-            <a:t>2. Queried Yelp and Foursquare APIs for POIs</a:t>
+            <a:t>2. Queried Yelp and Foursquare APIs for POIs </a:t>
           </a:r>
           <a:endParaRPr lang="en-US" sz="2200" kern="1200" dirty="0"/>
         </a:p>
@@ -1945,7 +1956,7 @@
           </a:pPr>
           <a:r>
             <a:rPr lang="en-CA" sz="2200" kern="1200" dirty="0"/>
-            <a:t>3. Data Joining and visualization</a:t>
+            <a:t>3. Completed Data Joining and visualization</a:t>
           </a:r>
           <a:endParaRPr lang="en-US" sz="2200" kern="1200" dirty="0"/>
         </a:p>
@@ -2098,7 +2109,7 @@
           </a:pPr>
           <a:r>
             <a:rPr lang="en-CA" sz="2200" kern="1200" dirty="0"/>
-            <a:t>4. Model Building</a:t>
+            <a:t>4. Model Building – built a regression model</a:t>
           </a:r>
           <a:endParaRPr lang="en-US" sz="2200" kern="1200" dirty="0"/>
         </a:p>
@@ -3587,7 +3598,7 @@
           <a:p>
             <a:fld id="{744CAABF-F377-4478-BB7E-B0249B1E22D9}" type="datetimeFigureOut">
               <a:rPr lang="en-US" smtClean="0"/>
-              <a:t>3/9/2024</a:t>
+              <a:t>3/11/2024</a:t>
             </a:fld>
             <a:endParaRPr lang="en-US"/>
           </a:p>
@@ -3785,7 +3796,7 @@
           <a:p>
             <a:fld id="{744CAABF-F377-4478-BB7E-B0249B1E22D9}" type="datetimeFigureOut">
               <a:rPr lang="en-US" smtClean="0"/>
-              <a:t>3/9/2024</a:t>
+              <a:t>3/11/2024</a:t>
             </a:fld>
             <a:endParaRPr lang="en-US"/>
           </a:p>
@@ -3993,7 +4004,7 @@
           <a:p>
             <a:fld id="{744CAABF-F377-4478-BB7E-B0249B1E22D9}" type="datetimeFigureOut">
               <a:rPr lang="en-US" smtClean="0"/>
-              <a:t>3/9/2024</a:t>
+              <a:t>3/11/2024</a:t>
             </a:fld>
             <a:endParaRPr lang="en-US"/>
           </a:p>
@@ -4191,7 +4202,7 @@
           <a:p>
             <a:fld id="{744CAABF-F377-4478-BB7E-B0249B1E22D9}" type="datetimeFigureOut">
               <a:rPr lang="en-US" smtClean="0"/>
-              <a:t>3/9/2024</a:t>
+              <a:t>3/11/2024</a:t>
             </a:fld>
             <a:endParaRPr lang="en-US"/>
           </a:p>
@@ -4466,7 +4477,7 @@
           <a:p>
             <a:fld id="{744CAABF-F377-4478-BB7E-B0249B1E22D9}" type="datetimeFigureOut">
               <a:rPr lang="en-US" smtClean="0"/>
-              <a:t>3/9/2024</a:t>
+              <a:t>3/11/2024</a:t>
             </a:fld>
             <a:endParaRPr lang="en-US"/>
           </a:p>
@@ -4731,7 +4742,7 @@
           <a:p>
             <a:fld id="{744CAABF-F377-4478-BB7E-B0249B1E22D9}" type="datetimeFigureOut">
               <a:rPr lang="en-US" smtClean="0"/>
-              <a:t>3/9/2024</a:t>
+              <a:t>3/11/2024</a:t>
             </a:fld>
             <a:endParaRPr lang="en-US"/>
           </a:p>
@@ -5143,7 +5154,7 @@
           <a:p>
             <a:fld id="{744CAABF-F377-4478-BB7E-B0249B1E22D9}" type="datetimeFigureOut">
               <a:rPr lang="en-US" smtClean="0"/>
-              <a:t>3/9/2024</a:t>
+              <a:t>3/11/2024</a:t>
             </a:fld>
             <a:endParaRPr lang="en-US"/>
           </a:p>
@@ -5284,7 +5295,7 @@
           <a:p>
             <a:fld id="{744CAABF-F377-4478-BB7E-B0249B1E22D9}" type="datetimeFigureOut">
               <a:rPr lang="en-US" smtClean="0"/>
-              <a:t>3/9/2024</a:t>
+              <a:t>3/11/2024</a:t>
             </a:fld>
             <a:endParaRPr lang="en-US"/>
           </a:p>
@@ -5397,7 +5408,7 @@
           <a:p>
             <a:fld id="{744CAABF-F377-4478-BB7E-B0249B1E22D9}" type="datetimeFigureOut">
               <a:rPr lang="en-US" smtClean="0"/>
-              <a:t>3/9/2024</a:t>
+              <a:t>3/11/2024</a:t>
             </a:fld>
             <a:endParaRPr lang="en-US"/>
           </a:p>
@@ -5708,7 +5719,7 @@
           <a:p>
             <a:fld id="{744CAABF-F377-4478-BB7E-B0249B1E22D9}" type="datetimeFigureOut">
               <a:rPr lang="en-US" smtClean="0"/>
-              <a:t>3/9/2024</a:t>
+              <a:t>3/11/2024</a:t>
             </a:fld>
             <a:endParaRPr lang="en-US"/>
           </a:p>
@@ -5996,7 +6007,7 @@
           <a:p>
             <a:fld id="{744CAABF-F377-4478-BB7E-B0249B1E22D9}" type="datetimeFigureOut">
               <a:rPr lang="en-US" smtClean="0"/>
-              <a:t>3/9/2024</a:t>
+              <a:t>3/11/2024</a:t>
             </a:fld>
             <a:endParaRPr lang="en-US"/>
           </a:p>
@@ -6237,7 +6248,7 @@
           <a:p>
             <a:fld id="{744CAABF-F377-4478-BB7E-B0249B1E22D9}" type="datetimeFigureOut">
               <a:rPr lang="en-US" smtClean="0"/>
-              <a:t>3/9/2024</a:t>
+              <a:t>3/11/2024</a:t>
             </a:fld>
             <a:endParaRPr lang="en-US"/>
           </a:p>
@@ -6789,10 +6800,10 @@
           <a:p>
             <a:pPr algn="l"/>
             <a:r>
-              <a:rPr lang="en-CA"/>
-              <a:t>Author – Gaurav Gujar, Data Scientist</a:t>
+              <a:rPr lang="en-CA" dirty="0"/>
+              <a:t>Author – Gaurav Gujar</a:t>
             </a:r>
-            <a:endParaRPr lang="en-US"/>
+            <a:endParaRPr lang="en-US" dirty="0"/>
           </a:p>
         </p:txBody>
       </p:sp>
@@ -7395,7 +7406,7 @@
             <p:ph idx="1"/>
             <p:extLst>
               <p:ext uri="{D42A27DB-BD31-4B8C-83A1-F6EECF244321}">
-                <p14:modId xmlns:p14="http://schemas.microsoft.com/office/powerpoint/2010/main" val="1606869374"/>
+                <p14:modId xmlns:p14="http://schemas.microsoft.com/office/powerpoint/2010/main" val="2555428008"/>
               </p:ext>
             </p:extLst>
           </p:nvPr>
@@ -7414,6 +7425,1471 @@
     <p:extLst>
       <p:ext uri="{BB962C8B-B14F-4D97-AF65-F5344CB8AC3E}">
         <p14:creationId xmlns:p14="http://schemas.microsoft.com/office/powerpoint/2010/main" val="1129087592"/>
+      </p:ext>
+    </p:extLst>
+  </p:cSld>
+  <p:clrMapOvr>
+    <a:masterClrMapping/>
+  </p:clrMapOvr>
+</p:sld>
+</file>
+
+<file path=ppt/slides/slide3.xml><?xml version="1.0" encoding="utf-8"?>
+<p:sld xmlns:a="http://schemas.openxmlformats.org/drawingml/2006/main" xmlns:r="http://schemas.openxmlformats.org/officeDocument/2006/relationships" xmlns:p="http://schemas.openxmlformats.org/presentationml/2006/main">
+  <p:cSld>
+    <p:bg>
+      <p:bgPr>
+        <a:solidFill>
+          <a:schemeClr val="bg1"/>
+        </a:solidFill>
+        <a:effectLst/>
+      </p:bgPr>
+    </p:bg>
+    <p:spTree>
+      <p:nvGrpSpPr>
+        <p:cNvPr id="1" name=""/>
+        <p:cNvGrpSpPr/>
+        <p:nvPr/>
+      </p:nvGrpSpPr>
+      <p:grpSpPr>
+        <a:xfrm>
+          <a:off x="0" y="0"/>
+          <a:ext cx="0" cy="0"/>
+          <a:chOff x="0" y="0"/>
+          <a:chExt cx="0" cy="0"/>
+        </a:xfrm>
+      </p:grpSpPr>
+      <p:pic>
+        <p:nvPicPr>
+          <p:cNvPr id="5" name="Content Placeholder 4">
+            <a:extLst>
+              <a:ext uri="{FF2B5EF4-FFF2-40B4-BE49-F238E27FC236}">
+                <a16:creationId xmlns:a16="http://schemas.microsoft.com/office/drawing/2014/main" id="{7FCFB88A-8176-ED22-1D9E-8E5DFC67F2D0}"/>
+              </a:ext>
+            </a:extLst>
+          </p:cNvPr>
+          <p:cNvPicPr>
+            <a:picLocks noGrp="1" noChangeAspect="1"/>
+          </p:cNvPicPr>
+          <p:nvPr>
+            <p:ph idx="1"/>
+          </p:nvPr>
+        </p:nvPicPr>
+        <p:blipFill rotWithShape="1">
+          <a:blip r:embed="rId2"/>
+          <a:srcRect r="10466"/>
+          <a:stretch/>
+        </p:blipFill>
+        <p:spPr>
+          <a:xfrm>
+            <a:off x="1708570" y="317311"/>
+            <a:ext cx="8774860" cy="6223377"/>
+          </a:xfrm>
+          <a:prstGeom prst="rect">
+            <a:avLst/>
+          </a:prstGeom>
+        </p:spPr>
+      </p:pic>
+    </p:spTree>
+    <p:extLst>
+      <p:ext uri="{BB962C8B-B14F-4D97-AF65-F5344CB8AC3E}">
+        <p14:creationId xmlns:p14="http://schemas.microsoft.com/office/powerpoint/2010/main" val="2331735599"/>
+      </p:ext>
+    </p:extLst>
+  </p:cSld>
+  <p:clrMapOvr>
+    <a:masterClrMapping/>
+  </p:clrMapOvr>
+</p:sld>
+</file>
+
+<file path=ppt/slides/slide4.xml><?xml version="1.0" encoding="utf-8"?>
+<p:sld xmlns:a="http://schemas.openxmlformats.org/drawingml/2006/main" xmlns:r="http://schemas.openxmlformats.org/officeDocument/2006/relationships" xmlns:p="http://schemas.openxmlformats.org/presentationml/2006/main">
+  <p:cSld>
+    <p:bg>
+      <p:bgPr>
+        <a:solidFill>
+          <a:schemeClr val="bg1"/>
+        </a:solidFill>
+        <a:effectLst/>
+      </p:bgPr>
+    </p:bg>
+    <p:spTree>
+      <p:nvGrpSpPr>
+        <p:cNvPr id="1" name=""/>
+        <p:cNvGrpSpPr/>
+        <p:nvPr/>
+      </p:nvGrpSpPr>
+      <p:grpSpPr>
+        <a:xfrm>
+          <a:off x="0" y="0"/>
+          <a:ext cx="0" cy="0"/>
+          <a:chOff x="0" y="0"/>
+          <a:chExt cx="0" cy="0"/>
+        </a:xfrm>
+      </p:grpSpPr>
+      <p:pic>
+        <p:nvPicPr>
+          <p:cNvPr id="5" name="Content Placeholder 4">
+            <a:extLst>
+              <a:ext uri="{FF2B5EF4-FFF2-40B4-BE49-F238E27FC236}">
+                <a16:creationId xmlns:a16="http://schemas.microsoft.com/office/drawing/2014/main" id="{A26A553F-2585-AF2C-13D8-CEC34BCEF6F9}"/>
+              </a:ext>
+            </a:extLst>
+          </p:cNvPr>
+          <p:cNvPicPr>
+            <a:picLocks noGrp="1" noChangeAspect="1"/>
+          </p:cNvPicPr>
+          <p:nvPr>
+            <p:ph idx="1"/>
+          </p:nvPr>
+        </p:nvPicPr>
+        <p:blipFill>
+          <a:blip r:embed="rId2"/>
+          <a:stretch>
+            <a:fillRect/>
+          </a:stretch>
+        </p:blipFill>
+        <p:spPr>
+          <a:xfrm>
+            <a:off x="1261270" y="322685"/>
+            <a:ext cx="9669460" cy="6212629"/>
+          </a:xfrm>
+          <a:prstGeom prst="rect">
+            <a:avLst/>
+          </a:prstGeom>
+        </p:spPr>
+      </p:pic>
+    </p:spTree>
+    <p:extLst>
+      <p:ext uri="{BB962C8B-B14F-4D97-AF65-F5344CB8AC3E}">
+        <p14:creationId xmlns:p14="http://schemas.microsoft.com/office/powerpoint/2010/main" val="4182625104"/>
+      </p:ext>
+    </p:extLst>
+  </p:cSld>
+  <p:clrMapOvr>
+    <a:masterClrMapping/>
+  </p:clrMapOvr>
+</p:sld>
+</file>
+
+<file path=ppt/slides/slide5.xml><?xml version="1.0" encoding="utf-8"?>
+<p:sld xmlns:a="http://schemas.openxmlformats.org/drawingml/2006/main" xmlns:r="http://schemas.openxmlformats.org/officeDocument/2006/relationships" xmlns:p="http://schemas.openxmlformats.org/presentationml/2006/main">
+  <p:cSld>
+    <p:bg>
+      <p:bgPr>
+        <a:solidFill>
+          <a:schemeClr val="bg1"/>
+        </a:solidFill>
+        <a:effectLst/>
+      </p:bgPr>
+    </p:bg>
+    <p:spTree>
+      <p:nvGrpSpPr>
+        <p:cNvPr id="1" name=""/>
+        <p:cNvGrpSpPr/>
+        <p:nvPr/>
+      </p:nvGrpSpPr>
+      <p:grpSpPr>
+        <a:xfrm>
+          <a:off x="0" y="0"/>
+          <a:ext cx="0" cy="0"/>
+          <a:chOff x="0" y="0"/>
+          <a:chExt cx="0" cy="0"/>
+        </a:xfrm>
+      </p:grpSpPr>
+      <p:sp useBgFill="1">
+        <p:nvSpPr>
+          <p:cNvPr id="17" name="Rectangle 16">
+            <a:extLst>
+              <a:ext uri="{FF2B5EF4-FFF2-40B4-BE49-F238E27FC236}">
+                <a16:creationId xmlns:a16="http://schemas.microsoft.com/office/drawing/2014/main" id="{68AF5748-FED8-45BA-8631-26D1D10F3246}"/>
+              </a:ext>
+              <a:ext uri="{C183D7F6-B498-43B3-948B-1728B52AA6E4}">
+                <adec:decorative xmlns:adec="http://schemas.microsoft.com/office/drawing/2017/decorative" val="1"/>
+              </a:ext>
+            </a:extLst>
+          </p:cNvPr>
+          <p:cNvSpPr>
+            <a:spLocks noGrp="1" noRot="1" noChangeAspect="1" noMove="1" noResize="1" noEditPoints="1" noAdjustHandles="1" noChangeArrowheads="1" noChangeShapeType="1" noTextEdit="1"/>
+          </p:cNvSpPr>
+          <p:nvPr>
+            <p:extLst>
+              <p:ext uri="{386F3935-93C4-4BCD-93E2-E3B085C9AB24}">
+                <p16:designElem xmlns:p16="http://schemas.microsoft.com/office/powerpoint/2015/main" val="1"/>
+              </p:ext>
+            </p:extLst>
+          </p:nvPr>
+        </p:nvSpPr>
+        <p:spPr>
+          <a:xfrm>
+            <a:off x="0" y="0"/>
+            <a:ext cx="12192000" cy="6858000"/>
+          </a:xfrm>
+          <a:prstGeom prst="rect">
+            <a:avLst/>
+          </a:prstGeom>
+          <a:ln>
+            <a:noFill/>
+          </a:ln>
+        </p:spPr>
+        <p:style>
+          <a:lnRef idx="2">
+            <a:schemeClr val="accent1">
+              <a:shade val="50000"/>
+            </a:schemeClr>
+          </a:lnRef>
+          <a:fillRef idx="1">
+            <a:schemeClr val="accent1"/>
+          </a:fillRef>
+          <a:effectRef idx="0">
+            <a:schemeClr val="accent1"/>
+          </a:effectRef>
+          <a:fontRef idx="minor">
+            <a:schemeClr val="lt1"/>
+          </a:fontRef>
+        </p:style>
+        <p:txBody>
+          <a:bodyPr rtlCol="0" anchor="ctr"/>
+          <a:lstStyle/>
+          <a:p>
+            <a:pPr algn="ctr"/>
+            <a:endParaRPr lang="en-US"/>
+          </a:p>
+        </p:txBody>
+      </p:sp>
+      <p:sp>
+        <p:nvSpPr>
+          <p:cNvPr id="2" name="Title 1">
+            <a:extLst>
+              <a:ext uri="{FF2B5EF4-FFF2-40B4-BE49-F238E27FC236}">
+                <a16:creationId xmlns:a16="http://schemas.microsoft.com/office/drawing/2014/main" id="{10CD3B6C-41A5-112B-FAB5-53C5D160ED82}"/>
+              </a:ext>
+            </a:extLst>
+          </p:cNvPr>
+          <p:cNvSpPr>
+            <a:spLocks noGrp="1"/>
+          </p:cNvSpPr>
+          <p:nvPr>
+            <p:ph type="title"/>
+          </p:nvPr>
+        </p:nvSpPr>
+        <p:spPr>
+          <a:xfrm>
+            <a:off x="477981" y="1122363"/>
+            <a:ext cx="4023360" cy="3204134"/>
+          </a:xfrm>
+        </p:spPr>
+        <p:txBody>
+          <a:bodyPr vert="horz" lIns="91440" tIns="45720" rIns="91440" bIns="45720" rtlCol="0" anchor="b">
+            <a:normAutofit/>
+          </a:bodyPr>
+          <a:lstStyle/>
+          <a:p>
+            <a:r>
+              <a:rPr lang="en-US" sz="4800" kern="1200" dirty="0">
+                <a:solidFill>
+                  <a:schemeClr val="tx1"/>
+                </a:solidFill>
+                <a:latin typeface="+mj-lt"/>
+                <a:ea typeface="+mj-ea"/>
+                <a:cs typeface="+mj-cs"/>
+              </a:rPr>
+              <a:t>Scatter Plot - Distance vs Rating</a:t>
+            </a:r>
+          </a:p>
+        </p:txBody>
+      </p:sp>
+      <p:sp>
+        <p:nvSpPr>
+          <p:cNvPr id="19" name="Rectangle 18">
+            <a:extLst>
+              <a:ext uri="{FF2B5EF4-FFF2-40B4-BE49-F238E27FC236}">
+                <a16:creationId xmlns:a16="http://schemas.microsoft.com/office/drawing/2014/main" id="{AF2F604E-43BE-4DC3-B983-E071523364F8}"/>
+              </a:ext>
+              <a:ext uri="{C183D7F6-B498-43B3-948B-1728B52AA6E4}">
+                <adec:decorative xmlns:adec="http://schemas.microsoft.com/office/drawing/2017/decorative" val="1"/>
+              </a:ext>
+            </a:extLst>
+          </p:cNvPr>
+          <p:cNvSpPr>
+            <a:spLocks noGrp="1" noRot="1" noChangeAspect="1" noMove="1" noResize="1" noEditPoints="1" noAdjustHandles="1" noChangeArrowheads="1" noChangeShapeType="1" noTextEdit="1"/>
+          </p:cNvSpPr>
+          <p:nvPr>
+            <p:extLst>
+              <p:ext uri="{386F3935-93C4-4BCD-93E2-E3B085C9AB24}">
+                <p16:designElem xmlns:p16="http://schemas.microsoft.com/office/powerpoint/2015/main" val="1"/>
+              </p:ext>
+            </p:extLst>
+          </p:nvPr>
+        </p:nvSpPr>
+        <p:spPr>
+          <a:xfrm rot="5400000">
+            <a:off x="759921" y="346791"/>
+            <a:ext cx="146304" cy="704088"/>
+          </a:xfrm>
+          <a:prstGeom prst="rect">
+            <a:avLst/>
+          </a:prstGeom>
+          <a:solidFill>
+            <a:schemeClr val="accent2"/>
+          </a:solidFill>
+          <a:ln>
+            <a:noFill/>
+          </a:ln>
+        </p:spPr>
+        <p:style>
+          <a:lnRef idx="2">
+            <a:schemeClr val="accent1">
+              <a:shade val="50000"/>
+            </a:schemeClr>
+          </a:lnRef>
+          <a:fillRef idx="1">
+            <a:schemeClr val="accent1"/>
+          </a:fillRef>
+          <a:effectRef idx="0">
+            <a:schemeClr val="accent1"/>
+          </a:effectRef>
+          <a:fontRef idx="minor">
+            <a:schemeClr val="lt1"/>
+          </a:fontRef>
+        </p:style>
+        <p:txBody>
+          <a:bodyPr rtlCol="0" anchor="ctr"/>
+          <a:lstStyle/>
+          <a:p>
+            <a:pPr marL="0" marR="0" lvl="0" indent="0" algn="ctr" defTabSz="914400" rtl="0" eaLnBrk="1" fontAlgn="auto" latinLnBrk="0" hangingPunct="1">
+              <a:lnSpc>
+                <a:spcPct val="100000"/>
+              </a:lnSpc>
+              <a:spcBef>
+                <a:spcPts val="0"/>
+              </a:spcBef>
+              <a:spcAft>
+                <a:spcPts val="0"/>
+              </a:spcAft>
+              <a:buClrTx/>
+              <a:buSzTx/>
+              <a:buFontTx/>
+              <a:buNone/>
+              <a:tabLst/>
+              <a:defRPr/>
+            </a:pPr>
+            <a:endParaRPr kumimoji="0" lang="en-US" sz="1800" b="0" i="0" u="none" strike="noStrike" kern="1200" cap="none" spc="0" normalizeH="0" baseline="0" noProof="0">
+              <a:ln>
+                <a:noFill/>
+              </a:ln>
+              <a:solidFill>
+                <a:prstClr val="white"/>
+              </a:solidFill>
+              <a:effectLst/>
+              <a:uLnTx/>
+              <a:uFillTx/>
+              <a:latin typeface="Calibri" panose="020F0502020204030204"/>
+              <a:ea typeface="+mn-ea"/>
+              <a:cs typeface="+mn-cs"/>
+            </a:endParaRPr>
+          </a:p>
+        </p:txBody>
+      </p:sp>
+      <p:sp>
+        <p:nvSpPr>
+          <p:cNvPr id="21" name="Rectangle 20">
+            <a:extLst>
+              <a:ext uri="{FF2B5EF4-FFF2-40B4-BE49-F238E27FC236}">
+                <a16:creationId xmlns:a16="http://schemas.microsoft.com/office/drawing/2014/main" id="{08C9B587-E65E-4B52-B37C-ABEBB6E87928}"/>
+              </a:ext>
+              <a:ext uri="{C183D7F6-B498-43B3-948B-1728B52AA6E4}">
+                <adec:decorative xmlns:adec="http://schemas.microsoft.com/office/drawing/2017/decorative" val="1"/>
+              </a:ext>
+            </a:extLst>
+          </p:cNvPr>
+          <p:cNvSpPr>
+            <a:spLocks noGrp="1" noRot="1" noChangeAspect="1" noMove="1" noResize="1" noEditPoints="1" noAdjustHandles="1" noChangeArrowheads="1" noChangeShapeType="1" noTextEdit="1"/>
+          </p:cNvSpPr>
+          <p:nvPr>
+            <p:extLst>
+              <p:ext uri="{386F3935-93C4-4BCD-93E2-E3B085C9AB24}">
+                <p16:designElem xmlns:p16="http://schemas.microsoft.com/office/powerpoint/2015/main" val="1"/>
+              </p:ext>
+            </p:extLst>
+          </p:nvPr>
+        </p:nvSpPr>
+        <p:spPr>
+          <a:xfrm>
+            <a:off x="481029" y="4546920"/>
+            <a:ext cx="4023360" cy="18288"/>
+          </a:xfrm>
+          <a:prstGeom prst="rect">
+            <a:avLst/>
+          </a:prstGeom>
+          <a:solidFill>
+            <a:srgbClr val="D5D5D5"/>
+          </a:solidFill>
+          <a:ln w="3175">
+            <a:noFill/>
+          </a:ln>
+          <a:effectLst/>
+        </p:spPr>
+        <p:style>
+          <a:lnRef idx="2">
+            <a:schemeClr val="accent1">
+              <a:shade val="50000"/>
+            </a:schemeClr>
+          </a:lnRef>
+          <a:fillRef idx="1">
+            <a:schemeClr val="accent1"/>
+          </a:fillRef>
+          <a:effectRef idx="0">
+            <a:schemeClr val="accent1"/>
+          </a:effectRef>
+          <a:fontRef idx="minor">
+            <a:schemeClr val="lt1"/>
+          </a:fontRef>
+        </p:style>
+        <p:txBody>
+          <a:bodyPr rtlCol="0" anchor="ctr"/>
+          <a:lstStyle/>
+          <a:p>
+            <a:pPr algn="ctr"/>
+            <a:endParaRPr lang="en-US">
+              <a:solidFill>
+                <a:prstClr val="white"/>
+              </a:solidFill>
+              <a:latin typeface="Calibri" panose="020F0502020204030204"/>
+            </a:endParaRPr>
+          </a:p>
+        </p:txBody>
+      </p:sp>
+      <p:pic>
+        <p:nvPicPr>
+          <p:cNvPr id="5" name="Picture 4">
+            <a:extLst>
+              <a:ext uri="{FF2B5EF4-FFF2-40B4-BE49-F238E27FC236}">
+                <a16:creationId xmlns:a16="http://schemas.microsoft.com/office/drawing/2014/main" id="{BCA38235-5D97-9080-3E0E-3F0CDABF9D62}"/>
+              </a:ext>
+            </a:extLst>
+          </p:cNvPr>
+          <p:cNvPicPr>
+            <a:picLocks noChangeAspect="1"/>
+          </p:cNvPicPr>
+          <p:nvPr/>
+        </p:nvPicPr>
+        <p:blipFill>
+          <a:blip r:embed="rId2"/>
+          <a:stretch>
+            <a:fillRect/>
+          </a:stretch>
+        </p:blipFill>
+        <p:spPr>
+          <a:xfrm>
+            <a:off x="4864608" y="657618"/>
+            <a:ext cx="6846363" cy="5391510"/>
+          </a:xfrm>
+          <a:prstGeom prst="rect">
+            <a:avLst/>
+          </a:prstGeom>
+        </p:spPr>
+      </p:pic>
+    </p:spTree>
+    <p:extLst>
+      <p:ext uri="{BB962C8B-B14F-4D97-AF65-F5344CB8AC3E}">
+        <p14:creationId xmlns:p14="http://schemas.microsoft.com/office/powerpoint/2010/main" val="206586302"/>
+      </p:ext>
+    </p:extLst>
+  </p:cSld>
+  <p:clrMapOvr>
+    <a:masterClrMapping/>
+  </p:clrMapOvr>
+</p:sld>
+</file>
+
+<file path=ppt/slides/slide6.xml><?xml version="1.0" encoding="utf-8"?>
+<p:sld xmlns:a="http://schemas.openxmlformats.org/drawingml/2006/main" xmlns:r="http://schemas.openxmlformats.org/officeDocument/2006/relationships" xmlns:p="http://schemas.openxmlformats.org/presentationml/2006/main">
+  <p:cSld>
+    <p:bg>
+      <p:bgPr>
+        <a:solidFill>
+          <a:schemeClr val="bg1"/>
+        </a:solidFill>
+        <a:effectLst/>
+      </p:bgPr>
+    </p:bg>
+    <p:spTree>
+      <p:nvGrpSpPr>
+        <p:cNvPr id="1" name=""/>
+        <p:cNvGrpSpPr/>
+        <p:nvPr/>
+      </p:nvGrpSpPr>
+      <p:grpSpPr>
+        <a:xfrm>
+          <a:off x="0" y="0"/>
+          <a:ext cx="0" cy="0"/>
+          <a:chOff x="0" y="0"/>
+          <a:chExt cx="0" cy="0"/>
+        </a:xfrm>
+      </p:grpSpPr>
+      <p:sp useBgFill="1">
+        <p:nvSpPr>
+          <p:cNvPr id="21" name="Rectangle 20">
+            <a:extLst>
+              <a:ext uri="{FF2B5EF4-FFF2-40B4-BE49-F238E27FC236}">
+                <a16:creationId xmlns:a16="http://schemas.microsoft.com/office/drawing/2014/main" id="{68AF5748-FED8-45BA-8631-26D1D10F3246}"/>
+              </a:ext>
+              <a:ext uri="{C183D7F6-B498-43B3-948B-1728B52AA6E4}">
+                <adec:decorative xmlns:adec="http://schemas.microsoft.com/office/drawing/2017/decorative" val="1"/>
+              </a:ext>
+            </a:extLst>
+          </p:cNvPr>
+          <p:cNvSpPr>
+            <a:spLocks noGrp="1" noRot="1" noChangeAspect="1" noMove="1" noResize="1" noEditPoints="1" noAdjustHandles="1" noChangeArrowheads="1" noChangeShapeType="1" noTextEdit="1"/>
+          </p:cNvSpPr>
+          <p:nvPr>
+            <p:extLst>
+              <p:ext uri="{386F3935-93C4-4BCD-93E2-E3B085C9AB24}">
+                <p16:designElem xmlns:p16="http://schemas.microsoft.com/office/powerpoint/2015/main" val="1"/>
+              </p:ext>
+            </p:extLst>
+          </p:nvPr>
+        </p:nvSpPr>
+        <p:spPr>
+          <a:xfrm>
+            <a:off x="0" y="0"/>
+            <a:ext cx="12192000" cy="6858000"/>
+          </a:xfrm>
+          <a:prstGeom prst="rect">
+            <a:avLst/>
+          </a:prstGeom>
+          <a:ln>
+            <a:noFill/>
+          </a:ln>
+        </p:spPr>
+        <p:style>
+          <a:lnRef idx="2">
+            <a:schemeClr val="accent1">
+              <a:shade val="50000"/>
+            </a:schemeClr>
+          </a:lnRef>
+          <a:fillRef idx="1">
+            <a:schemeClr val="accent1"/>
+          </a:fillRef>
+          <a:effectRef idx="0">
+            <a:schemeClr val="accent1"/>
+          </a:effectRef>
+          <a:fontRef idx="minor">
+            <a:schemeClr val="lt1"/>
+          </a:fontRef>
+        </p:style>
+        <p:txBody>
+          <a:bodyPr rtlCol="0" anchor="ctr"/>
+          <a:lstStyle/>
+          <a:p>
+            <a:pPr algn="ctr"/>
+            <a:endParaRPr lang="en-US"/>
+          </a:p>
+        </p:txBody>
+      </p:sp>
+      <p:sp>
+        <p:nvSpPr>
+          <p:cNvPr id="2" name="Title 1">
+            <a:extLst>
+              <a:ext uri="{FF2B5EF4-FFF2-40B4-BE49-F238E27FC236}">
+                <a16:creationId xmlns:a16="http://schemas.microsoft.com/office/drawing/2014/main" id="{5BC65297-EF98-FEF6-2E10-B2D095A28ACC}"/>
+              </a:ext>
+            </a:extLst>
+          </p:cNvPr>
+          <p:cNvSpPr>
+            <a:spLocks noGrp="1"/>
+          </p:cNvSpPr>
+          <p:nvPr>
+            <p:ph type="title"/>
+          </p:nvPr>
+        </p:nvSpPr>
+        <p:spPr>
+          <a:xfrm>
+            <a:off x="477981" y="1122363"/>
+            <a:ext cx="4023360" cy="3204134"/>
+          </a:xfrm>
+        </p:spPr>
+        <p:txBody>
+          <a:bodyPr vert="horz" lIns="91440" tIns="45720" rIns="91440" bIns="45720" rtlCol="0" anchor="b">
+            <a:normAutofit/>
+          </a:bodyPr>
+          <a:lstStyle/>
+          <a:p>
+            <a:r>
+              <a:rPr lang="en-US" sz="4800" kern="1200">
+                <a:solidFill>
+                  <a:schemeClr val="tx1"/>
+                </a:solidFill>
+                <a:latin typeface="+mj-lt"/>
+                <a:ea typeface="+mj-ea"/>
+                <a:cs typeface="+mj-cs"/>
+              </a:rPr>
+              <a:t>Histogram - Rating</a:t>
+            </a:r>
+          </a:p>
+        </p:txBody>
+      </p:sp>
+      <p:sp>
+        <p:nvSpPr>
+          <p:cNvPr id="23" name="Rectangle 22">
+            <a:extLst>
+              <a:ext uri="{FF2B5EF4-FFF2-40B4-BE49-F238E27FC236}">
+                <a16:creationId xmlns:a16="http://schemas.microsoft.com/office/drawing/2014/main" id="{AF2F604E-43BE-4DC3-B983-E071523364F8}"/>
+              </a:ext>
+              <a:ext uri="{C183D7F6-B498-43B3-948B-1728B52AA6E4}">
+                <adec:decorative xmlns:adec="http://schemas.microsoft.com/office/drawing/2017/decorative" val="1"/>
+              </a:ext>
+            </a:extLst>
+          </p:cNvPr>
+          <p:cNvSpPr>
+            <a:spLocks noGrp="1" noRot="1" noChangeAspect="1" noMove="1" noResize="1" noEditPoints="1" noAdjustHandles="1" noChangeArrowheads="1" noChangeShapeType="1" noTextEdit="1"/>
+          </p:cNvSpPr>
+          <p:nvPr>
+            <p:extLst>
+              <p:ext uri="{386F3935-93C4-4BCD-93E2-E3B085C9AB24}">
+                <p16:designElem xmlns:p16="http://schemas.microsoft.com/office/powerpoint/2015/main" val="1"/>
+              </p:ext>
+            </p:extLst>
+          </p:nvPr>
+        </p:nvSpPr>
+        <p:spPr>
+          <a:xfrm rot="5400000">
+            <a:off x="759921" y="346791"/>
+            <a:ext cx="146304" cy="704088"/>
+          </a:xfrm>
+          <a:prstGeom prst="rect">
+            <a:avLst/>
+          </a:prstGeom>
+          <a:solidFill>
+            <a:schemeClr val="accent2"/>
+          </a:solidFill>
+          <a:ln>
+            <a:noFill/>
+          </a:ln>
+        </p:spPr>
+        <p:style>
+          <a:lnRef idx="2">
+            <a:schemeClr val="accent1">
+              <a:shade val="50000"/>
+            </a:schemeClr>
+          </a:lnRef>
+          <a:fillRef idx="1">
+            <a:schemeClr val="accent1"/>
+          </a:fillRef>
+          <a:effectRef idx="0">
+            <a:schemeClr val="accent1"/>
+          </a:effectRef>
+          <a:fontRef idx="minor">
+            <a:schemeClr val="lt1"/>
+          </a:fontRef>
+        </p:style>
+        <p:txBody>
+          <a:bodyPr rtlCol="0" anchor="ctr"/>
+          <a:lstStyle/>
+          <a:p>
+            <a:pPr marL="0" marR="0" lvl="0" indent="0" algn="ctr" defTabSz="914400" rtl="0" eaLnBrk="1" fontAlgn="auto" latinLnBrk="0" hangingPunct="1">
+              <a:lnSpc>
+                <a:spcPct val="100000"/>
+              </a:lnSpc>
+              <a:spcBef>
+                <a:spcPts val="0"/>
+              </a:spcBef>
+              <a:spcAft>
+                <a:spcPts val="0"/>
+              </a:spcAft>
+              <a:buClrTx/>
+              <a:buSzTx/>
+              <a:buFontTx/>
+              <a:buNone/>
+              <a:tabLst/>
+              <a:defRPr/>
+            </a:pPr>
+            <a:endParaRPr kumimoji="0" lang="en-US" sz="1800" b="0" i="0" u="none" strike="noStrike" kern="1200" cap="none" spc="0" normalizeH="0" baseline="0" noProof="0">
+              <a:ln>
+                <a:noFill/>
+              </a:ln>
+              <a:solidFill>
+                <a:prstClr val="white"/>
+              </a:solidFill>
+              <a:effectLst/>
+              <a:uLnTx/>
+              <a:uFillTx/>
+              <a:latin typeface="Calibri" panose="020F0502020204030204"/>
+              <a:ea typeface="+mn-ea"/>
+              <a:cs typeface="+mn-cs"/>
+            </a:endParaRPr>
+          </a:p>
+        </p:txBody>
+      </p:sp>
+      <p:sp>
+        <p:nvSpPr>
+          <p:cNvPr id="25" name="Rectangle 24">
+            <a:extLst>
+              <a:ext uri="{FF2B5EF4-FFF2-40B4-BE49-F238E27FC236}">
+                <a16:creationId xmlns:a16="http://schemas.microsoft.com/office/drawing/2014/main" id="{08C9B587-E65E-4B52-B37C-ABEBB6E87928}"/>
+              </a:ext>
+              <a:ext uri="{C183D7F6-B498-43B3-948B-1728B52AA6E4}">
+                <adec:decorative xmlns:adec="http://schemas.microsoft.com/office/drawing/2017/decorative" val="1"/>
+              </a:ext>
+            </a:extLst>
+          </p:cNvPr>
+          <p:cNvSpPr>
+            <a:spLocks noGrp="1" noRot="1" noChangeAspect="1" noMove="1" noResize="1" noEditPoints="1" noAdjustHandles="1" noChangeArrowheads="1" noChangeShapeType="1" noTextEdit="1"/>
+          </p:cNvSpPr>
+          <p:nvPr>
+            <p:extLst>
+              <p:ext uri="{386F3935-93C4-4BCD-93E2-E3B085C9AB24}">
+                <p16:designElem xmlns:p16="http://schemas.microsoft.com/office/powerpoint/2015/main" val="1"/>
+              </p:ext>
+            </p:extLst>
+          </p:nvPr>
+        </p:nvSpPr>
+        <p:spPr>
+          <a:xfrm>
+            <a:off x="481029" y="4546920"/>
+            <a:ext cx="4023360" cy="18288"/>
+          </a:xfrm>
+          <a:prstGeom prst="rect">
+            <a:avLst/>
+          </a:prstGeom>
+          <a:solidFill>
+            <a:srgbClr val="D5D5D5"/>
+          </a:solidFill>
+          <a:ln w="3175">
+            <a:noFill/>
+          </a:ln>
+          <a:effectLst/>
+        </p:spPr>
+        <p:style>
+          <a:lnRef idx="2">
+            <a:schemeClr val="accent1">
+              <a:shade val="50000"/>
+            </a:schemeClr>
+          </a:lnRef>
+          <a:fillRef idx="1">
+            <a:schemeClr val="accent1"/>
+          </a:fillRef>
+          <a:effectRef idx="0">
+            <a:schemeClr val="accent1"/>
+          </a:effectRef>
+          <a:fontRef idx="minor">
+            <a:schemeClr val="lt1"/>
+          </a:fontRef>
+        </p:style>
+        <p:txBody>
+          <a:bodyPr rtlCol="0" anchor="ctr"/>
+          <a:lstStyle/>
+          <a:p>
+            <a:pPr algn="ctr"/>
+            <a:endParaRPr lang="en-US">
+              <a:solidFill>
+                <a:prstClr val="white"/>
+              </a:solidFill>
+              <a:latin typeface="Calibri" panose="020F0502020204030204"/>
+            </a:endParaRPr>
+          </a:p>
+        </p:txBody>
+      </p:sp>
+      <p:pic>
+        <p:nvPicPr>
+          <p:cNvPr id="5" name="Content Placeholder 4">
+            <a:extLst>
+              <a:ext uri="{FF2B5EF4-FFF2-40B4-BE49-F238E27FC236}">
+                <a16:creationId xmlns:a16="http://schemas.microsoft.com/office/drawing/2014/main" id="{9339C076-8DEC-7525-9C73-F4F4E4FFF04D}"/>
+              </a:ext>
+            </a:extLst>
+          </p:cNvPr>
+          <p:cNvPicPr>
+            <a:picLocks noChangeAspect="1"/>
+          </p:cNvPicPr>
+          <p:nvPr/>
+        </p:nvPicPr>
+        <p:blipFill>
+          <a:blip r:embed="rId2"/>
+          <a:stretch>
+            <a:fillRect/>
+          </a:stretch>
+        </p:blipFill>
+        <p:spPr>
+          <a:xfrm>
+            <a:off x="4864608" y="1196769"/>
+            <a:ext cx="6846363" cy="4313208"/>
+          </a:xfrm>
+          <a:prstGeom prst="rect">
+            <a:avLst/>
+          </a:prstGeom>
+        </p:spPr>
+      </p:pic>
+    </p:spTree>
+    <p:extLst>
+      <p:ext uri="{BB962C8B-B14F-4D97-AF65-F5344CB8AC3E}">
+        <p14:creationId xmlns:p14="http://schemas.microsoft.com/office/powerpoint/2010/main" val="1944394563"/>
+      </p:ext>
+    </p:extLst>
+  </p:cSld>
+  <p:clrMapOvr>
+    <a:masterClrMapping/>
+  </p:clrMapOvr>
+</p:sld>
+</file>
+
+<file path=ppt/slides/slide7.xml><?xml version="1.0" encoding="utf-8"?>
+<p:sld xmlns:a="http://schemas.openxmlformats.org/drawingml/2006/main" xmlns:r="http://schemas.openxmlformats.org/officeDocument/2006/relationships" xmlns:p="http://schemas.openxmlformats.org/presentationml/2006/main">
+  <p:cSld>
+    <p:bg>
+      <p:bgPr>
+        <a:solidFill>
+          <a:schemeClr val="bg1"/>
+        </a:solidFill>
+        <a:effectLst/>
+      </p:bgPr>
+    </p:bg>
+    <p:spTree>
+      <p:nvGrpSpPr>
+        <p:cNvPr id="1" name=""/>
+        <p:cNvGrpSpPr/>
+        <p:nvPr/>
+      </p:nvGrpSpPr>
+      <p:grpSpPr>
+        <a:xfrm>
+          <a:off x="0" y="0"/>
+          <a:ext cx="0" cy="0"/>
+          <a:chOff x="0" y="0"/>
+          <a:chExt cx="0" cy="0"/>
+        </a:xfrm>
+      </p:grpSpPr>
+      <p:sp useBgFill="1">
+        <p:nvSpPr>
+          <p:cNvPr id="27" name="Rectangle 26">
+            <a:extLst>
+              <a:ext uri="{FF2B5EF4-FFF2-40B4-BE49-F238E27FC236}">
+                <a16:creationId xmlns:a16="http://schemas.microsoft.com/office/drawing/2014/main" id="{68AF5748-FED8-45BA-8631-26D1D10F3246}"/>
+              </a:ext>
+              <a:ext uri="{C183D7F6-B498-43B3-948B-1728B52AA6E4}">
+                <adec:decorative xmlns:adec="http://schemas.microsoft.com/office/drawing/2017/decorative" val="1"/>
+              </a:ext>
+            </a:extLst>
+          </p:cNvPr>
+          <p:cNvSpPr>
+            <a:spLocks noGrp="1" noRot="1" noChangeAspect="1" noMove="1" noResize="1" noEditPoints="1" noAdjustHandles="1" noChangeArrowheads="1" noChangeShapeType="1" noTextEdit="1"/>
+          </p:cNvSpPr>
+          <p:nvPr>
+            <p:extLst>
+              <p:ext uri="{386F3935-93C4-4BCD-93E2-E3B085C9AB24}">
+                <p16:designElem xmlns:p16="http://schemas.microsoft.com/office/powerpoint/2015/main" val="1"/>
+              </p:ext>
+            </p:extLst>
+          </p:nvPr>
+        </p:nvSpPr>
+        <p:spPr>
+          <a:xfrm>
+            <a:off x="0" y="0"/>
+            <a:ext cx="12192000" cy="6858000"/>
+          </a:xfrm>
+          <a:prstGeom prst="rect">
+            <a:avLst/>
+          </a:prstGeom>
+          <a:ln>
+            <a:noFill/>
+          </a:ln>
+        </p:spPr>
+        <p:style>
+          <a:lnRef idx="2">
+            <a:schemeClr val="accent1">
+              <a:shade val="50000"/>
+            </a:schemeClr>
+          </a:lnRef>
+          <a:fillRef idx="1">
+            <a:schemeClr val="accent1"/>
+          </a:fillRef>
+          <a:effectRef idx="0">
+            <a:schemeClr val="accent1"/>
+          </a:effectRef>
+          <a:fontRef idx="minor">
+            <a:schemeClr val="lt1"/>
+          </a:fontRef>
+        </p:style>
+        <p:txBody>
+          <a:bodyPr rtlCol="0" anchor="ctr"/>
+          <a:lstStyle/>
+          <a:p>
+            <a:pPr algn="ctr"/>
+            <a:endParaRPr lang="en-US"/>
+          </a:p>
+        </p:txBody>
+      </p:sp>
+      <p:sp>
+        <p:nvSpPr>
+          <p:cNvPr id="2" name="Title 1">
+            <a:extLst>
+              <a:ext uri="{FF2B5EF4-FFF2-40B4-BE49-F238E27FC236}">
+                <a16:creationId xmlns:a16="http://schemas.microsoft.com/office/drawing/2014/main" id="{C0883B11-CC13-E34E-C226-95D0700B788A}"/>
+              </a:ext>
+            </a:extLst>
+          </p:cNvPr>
+          <p:cNvSpPr>
+            <a:spLocks noGrp="1"/>
+          </p:cNvSpPr>
+          <p:nvPr>
+            <p:ph type="title"/>
+          </p:nvPr>
+        </p:nvSpPr>
+        <p:spPr>
+          <a:xfrm>
+            <a:off x="477981" y="1122363"/>
+            <a:ext cx="4023360" cy="3204134"/>
+          </a:xfrm>
+        </p:spPr>
+        <p:txBody>
+          <a:bodyPr vert="horz" lIns="91440" tIns="45720" rIns="91440" bIns="45720" rtlCol="0" anchor="b">
+            <a:normAutofit/>
+          </a:bodyPr>
+          <a:lstStyle/>
+          <a:p>
+            <a:r>
+              <a:rPr lang="en-US" sz="4800" kern="1200">
+                <a:solidFill>
+                  <a:schemeClr val="tx1"/>
+                </a:solidFill>
+                <a:latin typeface="+mj-lt"/>
+                <a:ea typeface="+mj-ea"/>
+                <a:cs typeface="+mj-cs"/>
+              </a:rPr>
+              <a:t>Histogram - Distance</a:t>
+            </a:r>
+          </a:p>
+        </p:txBody>
+      </p:sp>
+      <p:sp>
+        <p:nvSpPr>
+          <p:cNvPr id="29" name="Rectangle 28">
+            <a:extLst>
+              <a:ext uri="{FF2B5EF4-FFF2-40B4-BE49-F238E27FC236}">
+                <a16:creationId xmlns:a16="http://schemas.microsoft.com/office/drawing/2014/main" id="{AF2F604E-43BE-4DC3-B983-E071523364F8}"/>
+              </a:ext>
+              <a:ext uri="{C183D7F6-B498-43B3-948B-1728B52AA6E4}">
+                <adec:decorative xmlns:adec="http://schemas.microsoft.com/office/drawing/2017/decorative" val="1"/>
+              </a:ext>
+            </a:extLst>
+          </p:cNvPr>
+          <p:cNvSpPr>
+            <a:spLocks noGrp="1" noRot="1" noChangeAspect="1" noMove="1" noResize="1" noEditPoints="1" noAdjustHandles="1" noChangeArrowheads="1" noChangeShapeType="1" noTextEdit="1"/>
+          </p:cNvSpPr>
+          <p:nvPr>
+            <p:extLst>
+              <p:ext uri="{386F3935-93C4-4BCD-93E2-E3B085C9AB24}">
+                <p16:designElem xmlns:p16="http://schemas.microsoft.com/office/powerpoint/2015/main" val="1"/>
+              </p:ext>
+            </p:extLst>
+          </p:nvPr>
+        </p:nvSpPr>
+        <p:spPr>
+          <a:xfrm rot="5400000">
+            <a:off x="759921" y="346791"/>
+            <a:ext cx="146304" cy="704088"/>
+          </a:xfrm>
+          <a:prstGeom prst="rect">
+            <a:avLst/>
+          </a:prstGeom>
+          <a:solidFill>
+            <a:schemeClr val="accent2"/>
+          </a:solidFill>
+          <a:ln>
+            <a:noFill/>
+          </a:ln>
+        </p:spPr>
+        <p:style>
+          <a:lnRef idx="2">
+            <a:schemeClr val="accent1">
+              <a:shade val="50000"/>
+            </a:schemeClr>
+          </a:lnRef>
+          <a:fillRef idx="1">
+            <a:schemeClr val="accent1"/>
+          </a:fillRef>
+          <a:effectRef idx="0">
+            <a:schemeClr val="accent1"/>
+          </a:effectRef>
+          <a:fontRef idx="minor">
+            <a:schemeClr val="lt1"/>
+          </a:fontRef>
+        </p:style>
+        <p:txBody>
+          <a:bodyPr rtlCol="0" anchor="ctr"/>
+          <a:lstStyle/>
+          <a:p>
+            <a:pPr marL="0" marR="0" lvl="0" indent="0" algn="ctr" defTabSz="914400" rtl="0" eaLnBrk="1" fontAlgn="auto" latinLnBrk="0" hangingPunct="1">
+              <a:lnSpc>
+                <a:spcPct val="100000"/>
+              </a:lnSpc>
+              <a:spcBef>
+                <a:spcPts val="0"/>
+              </a:spcBef>
+              <a:spcAft>
+                <a:spcPts val="0"/>
+              </a:spcAft>
+              <a:buClrTx/>
+              <a:buSzTx/>
+              <a:buFontTx/>
+              <a:buNone/>
+              <a:tabLst/>
+              <a:defRPr/>
+            </a:pPr>
+            <a:endParaRPr kumimoji="0" lang="en-US" sz="1800" b="0" i="0" u="none" strike="noStrike" kern="1200" cap="none" spc="0" normalizeH="0" baseline="0" noProof="0">
+              <a:ln>
+                <a:noFill/>
+              </a:ln>
+              <a:solidFill>
+                <a:prstClr val="white"/>
+              </a:solidFill>
+              <a:effectLst/>
+              <a:uLnTx/>
+              <a:uFillTx/>
+              <a:latin typeface="Calibri" panose="020F0502020204030204"/>
+              <a:ea typeface="+mn-ea"/>
+              <a:cs typeface="+mn-cs"/>
+            </a:endParaRPr>
+          </a:p>
+        </p:txBody>
+      </p:sp>
+      <p:sp>
+        <p:nvSpPr>
+          <p:cNvPr id="31" name="Rectangle 30">
+            <a:extLst>
+              <a:ext uri="{FF2B5EF4-FFF2-40B4-BE49-F238E27FC236}">
+                <a16:creationId xmlns:a16="http://schemas.microsoft.com/office/drawing/2014/main" id="{08C9B587-E65E-4B52-B37C-ABEBB6E87928}"/>
+              </a:ext>
+              <a:ext uri="{C183D7F6-B498-43B3-948B-1728B52AA6E4}">
+                <adec:decorative xmlns:adec="http://schemas.microsoft.com/office/drawing/2017/decorative" val="1"/>
+              </a:ext>
+            </a:extLst>
+          </p:cNvPr>
+          <p:cNvSpPr>
+            <a:spLocks noGrp="1" noRot="1" noChangeAspect="1" noMove="1" noResize="1" noEditPoints="1" noAdjustHandles="1" noChangeArrowheads="1" noChangeShapeType="1" noTextEdit="1"/>
+          </p:cNvSpPr>
+          <p:nvPr>
+            <p:extLst>
+              <p:ext uri="{386F3935-93C4-4BCD-93E2-E3B085C9AB24}">
+                <p16:designElem xmlns:p16="http://schemas.microsoft.com/office/powerpoint/2015/main" val="1"/>
+              </p:ext>
+            </p:extLst>
+          </p:nvPr>
+        </p:nvSpPr>
+        <p:spPr>
+          <a:xfrm>
+            <a:off x="481029" y="4546920"/>
+            <a:ext cx="4023360" cy="18288"/>
+          </a:xfrm>
+          <a:prstGeom prst="rect">
+            <a:avLst/>
+          </a:prstGeom>
+          <a:solidFill>
+            <a:srgbClr val="D5D5D5"/>
+          </a:solidFill>
+          <a:ln w="3175">
+            <a:noFill/>
+          </a:ln>
+          <a:effectLst/>
+        </p:spPr>
+        <p:style>
+          <a:lnRef idx="2">
+            <a:schemeClr val="accent1">
+              <a:shade val="50000"/>
+            </a:schemeClr>
+          </a:lnRef>
+          <a:fillRef idx="1">
+            <a:schemeClr val="accent1"/>
+          </a:fillRef>
+          <a:effectRef idx="0">
+            <a:schemeClr val="accent1"/>
+          </a:effectRef>
+          <a:fontRef idx="minor">
+            <a:schemeClr val="lt1"/>
+          </a:fontRef>
+        </p:style>
+        <p:txBody>
+          <a:bodyPr rtlCol="0" anchor="ctr"/>
+          <a:lstStyle/>
+          <a:p>
+            <a:pPr algn="ctr"/>
+            <a:endParaRPr lang="en-US">
+              <a:solidFill>
+                <a:prstClr val="white"/>
+              </a:solidFill>
+              <a:latin typeface="Calibri" panose="020F0502020204030204"/>
+            </a:endParaRPr>
+          </a:p>
+        </p:txBody>
+      </p:sp>
+      <p:pic>
+        <p:nvPicPr>
+          <p:cNvPr id="5" name="Content Placeholder 4">
+            <a:extLst>
+              <a:ext uri="{FF2B5EF4-FFF2-40B4-BE49-F238E27FC236}">
+                <a16:creationId xmlns:a16="http://schemas.microsoft.com/office/drawing/2014/main" id="{B8E77F41-5884-B066-E7FE-6CC337E9A626}"/>
+              </a:ext>
+            </a:extLst>
+          </p:cNvPr>
+          <p:cNvPicPr>
+            <a:picLocks noChangeAspect="1"/>
+          </p:cNvPicPr>
+          <p:nvPr/>
+        </p:nvPicPr>
+        <p:blipFill>
+          <a:blip r:embed="rId2"/>
+          <a:stretch>
+            <a:fillRect/>
+          </a:stretch>
+        </p:blipFill>
+        <p:spPr>
+          <a:xfrm>
+            <a:off x="4864608" y="1196769"/>
+            <a:ext cx="6846363" cy="4313208"/>
+          </a:xfrm>
+          <a:prstGeom prst="rect">
+            <a:avLst/>
+          </a:prstGeom>
+        </p:spPr>
+      </p:pic>
+    </p:spTree>
+    <p:extLst>
+      <p:ext uri="{BB962C8B-B14F-4D97-AF65-F5344CB8AC3E}">
+        <p14:creationId xmlns:p14="http://schemas.microsoft.com/office/powerpoint/2010/main" val="1541412595"/>
+      </p:ext>
+    </p:extLst>
+  </p:cSld>
+  <p:clrMapOvr>
+    <a:masterClrMapping/>
+  </p:clrMapOvr>
+</p:sld>
+</file>
+
+<file path=ppt/slides/slide8.xml><?xml version="1.0" encoding="utf-8"?>
+<p:sld xmlns:a="http://schemas.openxmlformats.org/drawingml/2006/main" xmlns:r="http://schemas.openxmlformats.org/officeDocument/2006/relationships" xmlns:p="http://schemas.openxmlformats.org/presentationml/2006/main">
+  <p:cSld>
+    <p:bg>
+      <p:bgPr>
+        <a:solidFill>
+          <a:schemeClr val="bg1"/>
+        </a:solidFill>
+        <a:effectLst/>
+      </p:bgPr>
+    </p:bg>
+    <p:spTree>
+      <p:nvGrpSpPr>
+        <p:cNvPr id="1" name=""/>
+        <p:cNvGrpSpPr/>
+        <p:nvPr/>
+      </p:nvGrpSpPr>
+      <p:grpSpPr>
+        <a:xfrm>
+          <a:off x="0" y="0"/>
+          <a:ext cx="0" cy="0"/>
+          <a:chOff x="0" y="0"/>
+          <a:chExt cx="0" cy="0"/>
+        </a:xfrm>
+      </p:grpSpPr>
+      <p:sp useBgFill="1">
+        <p:nvSpPr>
+          <p:cNvPr id="10" name="Rectangle 9">
+            <a:extLst>
+              <a:ext uri="{FF2B5EF4-FFF2-40B4-BE49-F238E27FC236}">
+                <a16:creationId xmlns:a16="http://schemas.microsoft.com/office/drawing/2014/main" id="{68AF5748-FED8-45BA-8631-26D1D10F3246}"/>
+              </a:ext>
+              <a:ext uri="{C183D7F6-B498-43B3-948B-1728B52AA6E4}">
+                <adec:decorative xmlns:adec="http://schemas.microsoft.com/office/drawing/2017/decorative" val="1"/>
+              </a:ext>
+            </a:extLst>
+          </p:cNvPr>
+          <p:cNvSpPr>
+            <a:spLocks noGrp="1" noRot="1" noChangeAspect="1" noMove="1" noResize="1" noEditPoints="1" noAdjustHandles="1" noChangeArrowheads="1" noChangeShapeType="1" noTextEdit="1"/>
+          </p:cNvSpPr>
+          <p:nvPr>
+            <p:extLst>
+              <p:ext uri="{386F3935-93C4-4BCD-93E2-E3B085C9AB24}">
+                <p16:designElem xmlns:p16="http://schemas.microsoft.com/office/powerpoint/2015/main" val="1"/>
+              </p:ext>
+            </p:extLst>
+          </p:nvPr>
+        </p:nvSpPr>
+        <p:spPr>
+          <a:xfrm>
+            <a:off x="0" y="0"/>
+            <a:ext cx="12192000" cy="6858000"/>
+          </a:xfrm>
+          <a:prstGeom prst="rect">
+            <a:avLst/>
+          </a:prstGeom>
+          <a:ln>
+            <a:noFill/>
+          </a:ln>
+        </p:spPr>
+        <p:style>
+          <a:lnRef idx="2">
+            <a:schemeClr val="accent1">
+              <a:shade val="50000"/>
+            </a:schemeClr>
+          </a:lnRef>
+          <a:fillRef idx="1">
+            <a:schemeClr val="accent1"/>
+          </a:fillRef>
+          <a:effectRef idx="0">
+            <a:schemeClr val="accent1"/>
+          </a:effectRef>
+          <a:fontRef idx="minor">
+            <a:schemeClr val="lt1"/>
+          </a:fontRef>
+        </p:style>
+        <p:txBody>
+          <a:bodyPr rtlCol="0" anchor="ctr"/>
+          <a:lstStyle/>
+          <a:p>
+            <a:pPr algn="ctr"/>
+            <a:endParaRPr lang="en-US"/>
+          </a:p>
+        </p:txBody>
+      </p:sp>
+      <p:sp>
+        <p:nvSpPr>
+          <p:cNvPr id="2" name="Title 1">
+            <a:extLst>
+              <a:ext uri="{FF2B5EF4-FFF2-40B4-BE49-F238E27FC236}">
+                <a16:creationId xmlns:a16="http://schemas.microsoft.com/office/drawing/2014/main" id="{3336D6F8-9F8B-BBD4-DC63-F9BC1E831F45}"/>
+              </a:ext>
+            </a:extLst>
+          </p:cNvPr>
+          <p:cNvSpPr>
+            <a:spLocks noGrp="1"/>
+          </p:cNvSpPr>
+          <p:nvPr>
+            <p:ph type="title"/>
+          </p:nvPr>
+        </p:nvSpPr>
+        <p:spPr>
+          <a:xfrm>
+            <a:off x="477981" y="1122363"/>
+            <a:ext cx="4023360" cy="3204134"/>
+          </a:xfrm>
+        </p:spPr>
+        <p:txBody>
+          <a:bodyPr vert="horz" lIns="91440" tIns="45720" rIns="91440" bIns="45720" rtlCol="0" anchor="b">
+            <a:normAutofit/>
+          </a:bodyPr>
+          <a:lstStyle/>
+          <a:p>
+            <a:r>
+              <a:rPr lang="en-US" sz="4800" kern="1200">
+                <a:solidFill>
+                  <a:schemeClr val="tx1"/>
+                </a:solidFill>
+                <a:latin typeface="+mj-lt"/>
+                <a:ea typeface="+mj-ea"/>
+                <a:cs typeface="+mj-cs"/>
+              </a:rPr>
+              <a:t>Regression results</a:t>
+            </a:r>
+          </a:p>
+        </p:txBody>
+      </p:sp>
+      <p:sp>
+        <p:nvSpPr>
+          <p:cNvPr id="12" name="Rectangle 11">
+            <a:extLst>
+              <a:ext uri="{FF2B5EF4-FFF2-40B4-BE49-F238E27FC236}">
+                <a16:creationId xmlns:a16="http://schemas.microsoft.com/office/drawing/2014/main" id="{AF2F604E-43BE-4DC3-B983-E071523364F8}"/>
+              </a:ext>
+              <a:ext uri="{C183D7F6-B498-43B3-948B-1728B52AA6E4}">
+                <adec:decorative xmlns:adec="http://schemas.microsoft.com/office/drawing/2017/decorative" val="1"/>
+              </a:ext>
+            </a:extLst>
+          </p:cNvPr>
+          <p:cNvSpPr>
+            <a:spLocks noGrp="1" noRot="1" noChangeAspect="1" noMove="1" noResize="1" noEditPoints="1" noAdjustHandles="1" noChangeArrowheads="1" noChangeShapeType="1" noTextEdit="1"/>
+          </p:cNvSpPr>
+          <p:nvPr>
+            <p:extLst>
+              <p:ext uri="{386F3935-93C4-4BCD-93E2-E3B085C9AB24}">
+                <p16:designElem xmlns:p16="http://schemas.microsoft.com/office/powerpoint/2015/main" val="1"/>
+              </p:ext>
+            </p:extLst>
+          </p:nvPr>
+        </p:nvSpPr>
+        <p:spPr>
+          <a:xfrm rot="5400000">
+            <a:off x="759921" y="346791"/>
+            <a:ext cx="146304" cy="704088"/>
+          </a:xfrm>
+          <a:prstGeom prst="rect">
+            <a:avLst/>
+          </a:prstGeom>
+          <a:solidFill>
+            <a:schemeClr val="accent2"/>
+          </a:solidFill>
+          <a:ln>
+            <a:noFill/>
+          </a:ln>
+        </p:spPr>
+        <p:style>
+          <a:lnRef idx="2">
+            <a:schemeClr val="accent1">
+              <a:shade val="50000"/>
+            </a:schemeClr>
+          </a:lnRef>
+          <a:fillRef idx="1">
+            <a:schemeClr val="accent1"/>
+          </a:fillRef>
+          <a:effectRef idx="0">
+            <a:schemeClr val="accent1"/>
+          </a:effectRef>
+          <a:fontRef idx="minor">
+            <a:schemeClr val="lt1"/>
+          </a:fontRef>
+        </p:style>
+        <p:txBody>
+          <a:bodyPr rtlCol="0" anchor="ctr"/>
+          <a:lstStyle/>
+          <a:p>
+            <a:pPr marL="0" marR="0" lvl="0" indent="0" algn="ctr" defTabSz="914400" rtl="0" eaLnBrk="1" fontAlgn="auto" latinLnBrk="0" hangingPunct="1">
+              <a:lnSpc>
+                <a:spcPct val="100000"/>
+              </a:lnSpc>
+              <a:spcBef>
+                <a:spcPts val="0"/>
+              </a:spcBef>
+              <a:spcAft>
+                <a:spcPts val="0"/>
+              </a:spcAft>
+              <a:buClrTx/>
+              <a:buSzTx/>
+              <a:buFontTx/>
+              <a:buNone/>
+              <a:tabLst/>
+              <a:defRPr/>
+            </a:pPr>
+            <a:endParaRPr kumimoji="0" lang="en-US" sz="1800" b="0" i="0" u="none" strike="noStrike" kern="1200" cap="none" spc="0" normalizeH="0" baseline="0" noProof="0">
+              <a:ln>
+                <a:noFill/>
+              </a:ln>
+              <a:solidFill>
+                <a:prstClr val="white"/>
+              </a:solidFill>
+              <a:effectLst/>
+              <a:uLnTx/>
+              <a:uFillTx/>
+              <a:latin typeface="Calibri" panose="020F0502020204030204"/>
+              <a:ea typeface="+mn-ea"/>
+              <a:cs typeface="+mn-cs"/>
+            </a:endParaRPr>
+          </a:p>
+        </p:txBody>
+      </p:sp>
+      <p:sp>
+        <p:nvSpPr>
+          <p:cNvPr id="14" name="Rectangle 13">
+            <a:extLst>
+              <a:ext uri="{FF2B5EF4-FFF2-40B4-BE49-F238E27FC236}">
+                <a16:creationId xmlns:a16="http://schemas.microsoft.com/office/drawing/2014/main" id="{08C9B587-E65E-4B52-B37C-ABEBB6E87928}"/>
+              </a:ext>
+              <a:ext uri="{C183D7F6-B498-43B3-948B-1728B52AA6E4}">
+                <adec:decorative xmlns:adec="http://schemas.microsoft.com/office/drawing/2017/decorative" val="1"/>
+              </a:ext>
+            </a:extLst>
+          </p:cNvPr>
+          <p:cNvSpPr>
+            <a:spLocks noGrp="1" noRot="1" noChangeAspect="1" noMove="1" noResize="1" noEditPoints="1" noAdjustHandles="1" noChangeArrowheads="1" noChangeShapeType="1" noTextEdit="1"/>
+          </p:cNvSpPr>
+          <p:nvPr>
+            <p:extLst>
+              <p:ext uri="{386F3935-93C4-4BCD-93E2-E3B085C9AB24}">
+                <p16:designElem xmlns:p16="http://schemas.microsoft.com/office/powerpoint/2015/main" val="1"/>
+              </p:ext>
+            </p:extLst>
+          </p:nvPr>
+        </p:nvSpPr>
+        <p:spPr>
+          <a:xfrm>
+            <a:off x="481029" y="4546920"/>
+            <a:ext cx="4023360" cy="18288"/>
+          </a:xfrm>
+          <a:prstGeom prst="rect">
+            <a:avLst/>
+          </a:prstGeom>
+          <a:solidFill>
+            <a:srgbClr val="D5D5D5"/>
+          </a:solidFill>
+          <a:ln w="3175">
+            <a:noFill/>
+          </a:ln>
+          <a:effectLst/>
+        </p:spPr>
+        <p:style>
+          <a:lnRef idx="2">
+            <a:schemeClr val="accent1">
+              <a:shade val="50000"/>
+            </a:schemeClr>
+          </a:lnRef>
+          <a:fillRef idx="1">
+            <a:schemeClr val="accent1"/>
+          </a:fillRef>
+          <a:effectRef idx="0">
+            <a:schemeClr val="accent1"/>
+          </a:effectRef>
+          <a:fontRef idx="minor">
+            <a:schemeClr val="lt1"/>
+          </a:fontRef>
+        </p:style>
+        <p:txBody>
+          <a:bodyPr rtlCol="0" anchor="ctr"/>
+          <a:lstStyle/>
+          <a:p>
+            <a:pPr algn="ctr"/>
+            <a:endParaRPr lang="en-US">
+              <a:solidFill>
+                <a:prstClr val="white"/>
+              </a:solidFill>
+              <a:latin typeface="Calibri" panose="020F0502020204030204"/>
+            </a:endParaRPr>
+          </a:p>
+        </p:txBody>
+      </p:sp>
+      <p:pic>
+        <p:nvPicPr>
+          <p:cNvPr id="5" name="Content Placeholder 4">
+            <a:extLst>
+              <a:ext uri="{FF2B5EF4-FFF2-40B4-BE49-F238E27FC236}">
+                <a16:creationId xmlns:a16="http://schemas.microsoft.com/office/drawing/2014/main" id="{BA69AC13-CFFC-A9FD-6429-116F29744421}"/>
+              </a:ext>
+            </a:extLst>
+          </p:cNvPr>
+          <p:cNvPicPr>
+            <a:picLocks noGrp="1" noChangeAspect="1"/>
+          </p:cNvPicPr>
+          <p:nvPr>
+            <p:ph idx="1"/>
+          </p:nvPr>
+        </p:nvPicPr>
+        <p:blipFill>
+          <a:blip r:embed="rId2"/>
+          <a:stretch>
+            <a:fillRect/>
+          </a:stretch>
+        </p:blipFill>
+        <p:spPr>
+          <a:xfrm>
+            <a:off x="4864608" y="948797"/>
+            <a:ext cx="6846363" cy="4809152"/>
+          </a:xfrm>
+          <a:prstGeom prst="rect">
+            <a:avLst/>
+          </a:prstGeom>
+        </p:spPr>
+      </p:pic>
+    </p:spTree>
+    <p:extLst>
+      <p:ext uri="{BB962C8B-B14F-4D97-AF65-F5344CB8AC3E}">
+        <p14:creationId xmlns:p14="http://schemas.microsoft.com/office/powerpoint/2010/main" val="2085900522"/>
       </p:ext>
     </p:extLst>
   </p:cSld>
